--- a/docs/2.Study/10.algorithm/gif/gif制作.pptx
+++ b/docs/2.Study/10.algorithm/gif/gif制作.pptx
@@ -5,7 +5,7 @@
     <p:sldMasterId id="2147483648" r:id="rId1"/>
   </p:sldMasterIdLst>
   <p:notesMasterIdLst>
-    <p:notesMasterId r:id="rId16"/>
+    <p:notesMasterId r:id="rId17"/>
   </p:notesMasterIdLst>
   <p:sldIdLst>
     <p:sldId id="267" r:id="rId2"/>
@@ -22,6 +22,7 @@
     <p:sldId id="264" r:id="rId13"/>
     <p:sldId id="265" r:id="rId14"/>
     <p:sldId id="266" r:id="rId15"/>
+    <p:sldId id="270" r:id="rId16"/>
   </p:sldIdLst>
   <p:sldSz cx="12192000" cy="6858000"/>
   <p:notesSz cx="6858000" cy="9144000"/>
@@ -236,7 +237,7 @@
           <a:p>
             <a:fld id="{CB9A6B32-0A5F-4AF7-AACB-101EF161AF5F}" type="datetimeFigureOut">
               <a:rPr lang="zh-CN" altLang="en-US" smtClean="0"/>
-              <a:t>2020/8/11</a:t>
+              <a:t>2020/8/17</a:t>
             </a:fld>
             <a:endParaRPr lang="zh-CN" altLang="en-US"/>
           </a:p>
@@ -964,6 +965,101 @@
 </p:notes>
 </file>
 
+<file path=ppt/notesSlides/notesSlide14.xml><?xml version="1.0" encoding="utf-8"?>
+<p:notes xmlns:a="http://schemas.openxmlformats.org/drawingml/2006/main" xmlns:r="http://schemas.openxmlformats.org/officeDocument/2006/relationships" xmlns:p="http://schemas.openxmlformats.org/presentationml/2006/main">
+  <p:cSld>
+    <p:spTree>
+      <p:nvGrpSpPr>
+        <p:cNvPr id="1" name=""/>
+        <p:cNvGrpSpPr/>
+        <p:nvPr/>
+      </p:nvGrpSpPr>
+      <p:grpSpPr>
+        <a:xfrm>
+          <a:off x="0" y="0"/>
+          <a:ext cx="0" cy="0"/>
+          <a:chOff x="0" y="0"/>
+          <a:chExt cx="0" cy="0"/>
+        </a:xfrm>
+      </p:grpSpPr>
+      <p:sp>
+        <p:nvSpPr>
+          <p:cNvPr id="2" name="幻灯片图像占位符 1"/>
+          <p:cNvSpPr>
+            <a:spLocks noGrp="1" noRot="1" noChangeAspect="1"/>
+          </p:cNvSpPr>
+          <p:nvPr>
+            <p:ph type="sldImg"/>
+          </p:nvPr>
+        </p:nvSpPr>
+        <p:spPr/>
+      </p:sp>
+      <p:sp>
+        <p:nvSpPr>
+          <p:cNvPr id="3" name="备注占位符 2"/>
+          <p:cNvSpPr>
+            <a:spLocks noGrp="1"/>
+          </p:cNvSpPr>
+          <p:nvPr>
+            <p:ph type="body" idx="1"/>
+          </p:nvPr>
+        </p:nvSpPr>
+        <p:spPr/>
+        <p:txBody>
+          <a:bodyPr/>
+          <a:lstStyle/>
+          <a:p>
+            <a:r>
+              <a:rPr lang="zh-CN" altLang="en-US" dirty="0"/>
+              <a:t>桶排序</a:t>
+            </a:r>
+            <a:r>
+              <a:rPr lang="en-US" altLang="zh-CN" dirty="0"/>
+              <a:t>——</a:t>
+            </a:r>
+            <a:r>
+              <a:rPr lang="zh-CN" altLang="en-US" dirty="0"/>
+              <a:t>计数排序</a:t>
+            </a:r>
+          </a:p>
+        </p:txBody>
+      </p:sp>
+      <p:sp>
+        <p:nvSpPr>
+          <p:cNvPr id="4" name="灯片编号占位符 3"/>
+          <p:cNvSpPr>
+            <a:spLocks noGrp="1"/>
+          </p:cNvSpPr>
+          <p:nvPr>
+            <p:ph type="sldNum" sz="quarter" idx="5"/>
+          </p:nvPr>
+        </p:nvSpPr>
+        <p:spPr/>
+        <p:txBody>
+          <a:bodyPr/>
+          <a:lstStyle/>
+          <a:p>
+            <a:fld id="{7B1AB8BF-8C38-45E1-922D-85AF3569A108}" type="slidenum">
+              <a:rPr lang="zh-CN" altLang="en-US" smtClean="0"/>
+              <a:t>15</a:t>
+            </a:fld>
+            <a:endParaRPr lang="zh-CN" altLang="en-US"/>
+          </a:p>
+        </p:txBody>
+      </p:sp>
+    </p:spTree>
+    <p:extLst>
+      <p:ext uri="{BB962C8B-B14F-4D97-AF65-F5344CB8AC3E}">
+        <p14:creationId xmlns:p14="http://schemas.microsoft.com/office/powerpoint/2010/main" val="1094667080"/>
+      </p:ext>
+    </p:extLst>
+  </p:cSld>
+  <p:clrMapOvr>
+    <a:masterClrMapping/>
+  </p:clrMapOvr>
+</p:notes>
+</file>
+
 <file path=ppt/notesSlides/notesSlide2.xml><?xml version="1.0" encoding="utf-8"?>
 <p:notes xmlns:a="http://schemas.openxmlformats.org/drawingml/2006/main" xmlns:r="http://schemas.openxmlformats.org/officeDocument/2006/relationships" xmlns:p="http://schemas.openxmlformats.org/presentationml/2006/main">
   <p:cSld>
@@ -1812,7 +1908,7 @@
           <a:p>
             <a:fld id="{32092218-5668-4670-9FA5-EE998BAB2E50}" type="datetimeFigureOut">
               <a:rPr lang="zh-CN" altLang="en-US" smtClean="0"/>
-              <a:t>2020/8/11</a:t>
+              <a:t>2020/8/17</a:t>
             </a:fld>
             <a:endParaRPr lang="zh-CN" altLang="en-US"/>
           </a:p>
@@ -2010,7 +2106,7 @@
           <a:p>
             <a:fld id="{32092218-5668-4670-9FA5-EE998BAB2E50}" type="datetimeFigureOut">
               <a:rPr lang="zh-CN" altLang="en-US" smtClean="0"/>
-              <a:t>2020/8/11</a:t>
+              <a:t>2020/8/17</a:t>
             </a:fld>
             <a:endParaRPr lang="zh-CN" altLang="en-US"/>
           </a:p>
@@ -2218,7 +2314,7 @@
           <a:p>
             <a:fld id="{32092218-5668-4670-9FA5-EE998BAB2E50}" type="datetimeFigureOut">
               <a:rPr lang="zh-CN" altLang="en-US" smtClean="0"/>
-              <a:t>2020/8/11</a:t>
+              <a:t>2020/8/17</a:t>
             </a:fld>
             <a:endParaRPr lang="zh-CN" altLang="en-US"/>
           </a:p>
@@ -2416,7 +2512,7 @@
           <a:p>
             <a:fld id="{32092218-5668-4670-9FA5-EE998BAB2E50}" type="datetimeFigureOut">
               <a:rPr lang="zh-CN" altLang="en-US" smtClean="0"/>
-              <a:t>2020/8/11</a:t>
+              <a:t>2020/8/17</a:t>
             </a:fld>
             <a:endParaRPr lang="zh-CN" altLang="en-US"/>
           </a:p>
@@ -2691,7 +2787,7 @@
           <a:p>
             <a:fld id="{32092218-5668-4670-9FA5-EE998BAB2E50}" type="datetimeFigureOut">
               <a:rPr lang="zh-CN" altLang="en-US" smtClean="0"/>
-              <a:t>2020/8/11</a:t>
+              <a:t>2020/8/17</a:t>
             </a:fld>
             <a:endParaRPr lang="zh-CN" altLang="en-US"/>
           </a:p>
@@ -2956,7 +3052,7 @@
           <a:p>
             <a:fld id="{32092218-5668-4670-9FA5-EE998BAB2E50}" type="datetimeFigureOut">
               <a:rPr lang="zh-CN" altLang="en-US" smtClean="0"/>
-              <a:t>2020/8/11</a:t>
+              <a:t>2020/8/17</a:t>
             </a:fld>
             <a:endParaRPr lang="zh-CN" altLang="en-US"/>
           </a:p>
@@ -3368,7 +3464,7 @@
           <a:p>
             <a:fld id="{32092218-5668-4670-9FA5-EE998BAB2E50}" type="datetimeFigureOut">
               <a:rPr lang="zh-CN" altLang="en-US" smtClean="0"/>
-              <a:t>2020/8/11</a:t>
+              <a:t>2020/8/17</a:t>
             </a:fld>
             <a:endParaRPr lang="zh-CN" altLang="en-US"/>
           </a:p>
@@ -3509,7 +3605,7 @@
           <a:p>
             <a:fld id="{32092218-5668-4670-9FA5-EE998BAB2E50}" type="datetimeFigureOut">
               <a:rPr lang="zh-CN" altLang="en-US" smtClean="0"/>
-              <a:t>2020/8/11</a:t>
+              <a:t>2020/8/17</a:t>
             </a:fld>
             <a:endParaRPr lang="zh-CN" altLang="en-US"/>
           </a:p>
@@ -3622,7 +3718,7 @@
           <a:p>
             <a:fld id="{32092218-5668-4670-9FA5-EE998BAB2E50}" type="datetimeFigureOut">
               <a:rPr lang="zh-CN" altLang="en-US" smtClean="0"/>
-              <a:t>2020/8/11</a:t>
+              <a:t>2020/8/17</a:t>
             </a:fld>
             <a:endParaRPr lang="zh-CN" altLang="en-US"/>
           </a:p>
@@ -3933,7 +4029,7 @@
           <a:p>
             <a:fld id="{32092218-5668-4670-9FA5-EE998BAB2E50}" type="datetimeFigureOut">
               <a:rPr lang="zh-CN" altLang="en-US" smtClean="0"/>
-              <a:t>2020/8/11</a:t>
+              <a:t>2020/8/17</a:t>
             </a:fld>
             <a:endParaRPr lang="zh-CN" altLang="en-US"/>
           </a:p>
@@ -4221,7 +4317,7 @@
           <a:p>
             <a:fld id="{32092218-5668-4670-9FA5-EE998BAB2E50}" type="datetimeFigureOut">
               <a:rPr lang="zh-CN" altLang="en-US" smtClean="0"/>
-              <a:t>2020/8/11</a:t>
+              <a:t>2020/8/17</a:t>
             </a:fld>
             <a:endParaRPr lang="zh-CN" altLang="en-US"/>
           </a:p>
@@ -4462,7 +4558,7 @@
           <a:p>
             <a:fld id="{32092218-5668-4670-9FA5-EE998BAB2E50}" type="datetimeFigureOut">
               <a:rPr lang="zh-CN" altLang="en-US" smtClean="0"/>
-              <a:t>2020/8/11</a:t>
+              <a:t>2020/8/17</a:t>
             </a:fld>
             <a:endParaRPr lang="zh-CN" altLang="en-US"/>
           </a:p>
@@ -25990,6 +26086,1268 @@
       <p:bldP spid="95" grpId="0"/>
       <p:bldP spid="97" grpId="0"/>
       <p:bldP spid="98" grpId="0" animBg="1"/>
+    </p:bldLst>
+  </p:timing>
+</p:sld>
+</file>
+
+<file path=ppt/slides/slide15.xml><?xml version="1.0" encoding="utf-8"?>
+<p:sld xmlns:a="http://schemas.openxmlformats.org/drawingml/2006/main" xmlns:r="http://schemas.openxmlformats.org/officeDocument/2006/relationships" xmlns:p="http://schemas.openxmlformats.org/presentationml/2006/main">
+  <p:cSld>
+    <p:spTree>
+      <p:nvGrpSpPr>
+        <p:cNvPr id="1" name=""/>
+        <p:cNvGrpSpPr/>
+        <p:nvPr/>
+      </p:nvGrpSpPr>
+      <p:grpSpPr>
+        <a:xfrm>
+          <a:off x="0" y="0"/>
+          <a:ext cx="0" cy="0"/>
+          <a:chOff x="0" y="0"/>
+          <a:chExt cx="0" cy="0"/>
+        </a:xfrm>
+      </p:grpSpPr>
+      <p:sp>
+        <p:nvSpPr>
+          <p:cNvPr id="4" name="矩形 3">
+            <a:extLst>
+              <a:ext uri="{FF2B5EF4-FFF2-40B4-BE49-F238E27FC236}">
+                <a16:creationId xmlns:a16="http://schemas.microsoft.com/office/drawing/2014/main" id="{0DFE19F4-A2FB-4A51-9D1D-F09DDB8AADD5}"/>
+              </a:ext>
+            </a:extLst>
+          </p:cNvPr>
+          <p:cNvSpPr/>
+          <p:nvPr/>
+        </p:nvSpPr>
+        <p:spPr>
+          <a:xfrm>
+            <a:off x="854428" y="2050645"/>
+            <a:ext cx="5043953" cy="753626"/>
+          </a:xfrm>
+          <a:prstGeom prst="rect">
+            <a:avLst/>
+          </a:prstGeom>
+          <a:noFill/>
+        </p:spPr>
+        <p:style>
+          <a:lnRef idx="2">
+            <a:schemeClr val="accent1">
+              <a:shade val="50000"/>
+            </a:schemeClr>
+          </a:lnRef>
+          <a:fillRef idx="1">
+            <a:schemeClr val="accent1"/>
+          </a:fillRef>
+          <a:effectRef idx="0">
+            <a:schemeClr val="accent1"/>
+          </a:effectRef>
+          <a:fontRef idx="minor">
+            <a:schemeClr val="lt1"/>
+          </a:fontRef>
+        </p:style>
+        <p:txBody>
+          <a:bodyPr rtlCol="0" anchor="ctr"/>
+          <a:lstStyle/>
+          <a:p>
+            <a:pPr algn="ctr"/>
+            <a:endParaRPr lang="zh-CN" altLang="en-US"/>
+          </a:p>
+        </p:txBody>
+      </p:sp>
+      <p:sp>
+        <p:nvSpPr>
+          <p:cNvPr id="5" name="流程图: 接点 4">
+            <a:extLst>
+              <a:ext uri="{FF2B5EF4-FFF2-40B4-BE49-F238E27FC236}">
+                <a16:creationId xmlns:a16="http://schemas.microsoft.com/office/drawing/2014/main" id="{8DCC6C4E-FE2C-4976-8030-F7AC42282B60}"/>
+              </a:ext>
+            </a:extLst>
+          </p:cNvPr>
+          <p:cNvSpPr/>
+          <p:nvPr/>
+        </p:nvSpPr>
+        <p:spPr>
+          <a:xfrm>
+            <a:off x="945030" y="2090839"/>
+            <a:ext cx="753626" cy="663191"/>
+          </a:xfrm>
+          <a:prstGeom prst="flowChartConnector">
+            <a:avLst/>
+          </a:prstGeom>
+        </p:spPr>
+        <p:style>
+          <a:lnRef idx="2">
+            <a:schemeClr val="accent1">
+              <a:shade val="50000"/>
+            </a:schemeClr>
+          </a:lnRef>
+          <a:fillRef idx="1">
+            <a:schemeClr val="accent1"/>
+          </a:fillRef>
+          <a:effectRef idx="0">
+            <a:schemeClr val="accent1"/>
+          </a:effectRef>
+          <a:fontRef idx="minor">
+            <a:schemeClr val="lt1"/>
+          </a:fontRef>
+        </p:style>
+        <p:txBody>
+          <a:bodyPr rtlCol="0" anchor="ctr"/>
+          <a:lstStyle/>
+          <a:p>
+            <a:pPr algn="ctr"/>
+            <a:r>
+              <a:rPr lang="en-US" altLang="zh-CN" dirty="0"/>
+              <a:t>17</a:t>
+            </a:r>
+            <a:endParaRPr lang="zh-CN" altLang="en-US" dirty="0"/>
+          </a:p>
+        </p:txBody>
+      </p:sp>
+      <p:sp>
+        <p:nvSpPr>
+          <p:cNvPr id="6" name="流程图: 接点 5">
+            <a:extLst>
+              <a:ext uri="{FF2B5EF4-FFF2-40B4-BE49-F238E27FC236}">
+                <a16:creationId xmlns:a16="http://schemas.microsoft.com/office/drawing/2014/main" id="{1ED7CC10-E39C-4C79-9511-B015B9BC2746}"/>
+              </a:ext>
+            </a:extLst>
+          </p:cNvPr>
+          <p:cNvSpPr/>
+          <p:nvPr/>
+        </p:nvSpPr>
+        <p:spPr>
+          <a:xfrm>
+            <a:off x="1779209" y="2090838"/>
+            <a:ext cx="753626" cy="663191"/>
+          </a:xfrm>
+          <a:prstGeom prst="flowChartConnector">
+            <a:avLst/>
+          </a:prstGeom>
+        </p:spPr>
+        <p:style>
+          <a:lnRef idx="2">
+            <a:schemeClr val="accent1">
+              <a:shade val="50000"/>
+            </a:schemeClr>
+          </a:lnRef>
+          <a:fillRef idx="1">
+            <a:schemeClr val="accent1"/>
+          </a:fillRef>
+          <a:effectRef idx="0">
+            <a:schemeClr val="accent1"/>
+          </a:effectRef>
+          <a:fontRef idx="minor">
+            <a:schemeClr val="lt1"/>
+          </a:fontRef>
+        </p:style>
+        <p:txBody>
+          <a:bodyPr rtlCol="0" anchor="ctr"/>
+          <a:lstStyle/>
+          <a:p>
+            <a:pPr algn="ctr"/>
+            <a:r>
+              <a:rPr lang="en-US" altLang="zh-CN" dirty="0"/>
+              <a:t>23</a:t>
+            </a:r>
+            <a:endParaRPr lang="zh-CN" altLang="en-US" dirty="0"/>
+          </a:p>
+        </p:txBody>
+      </p:sp>
+      <p:sp>
+        <p:nvSpPr>
+          <p:cNvPr id="7" name="流程图: 接点 6">
+            <a:extLst>
+              <a:ext uri="{FF2B5EF4-FFF2-40B4-BE49-F238E27FC236}">
+                <a16:creationId xmlns:a16="http://schemas.microsoft.com/office/drawing/2014/main" id="{5F1111F3-03D9-431C-B025-4CC6C298505C}"/>
+              </a:ext>
+            </a:extLst>
+          </p:cNvPr>
+          <p:cNvSpPr/>
+          <p:nvPr/>
+        </p:nvSpPr>
+        <p:spPr>
+          <a:xfrm>
+            <a:off x="2613388" y="2090838"/>
+            <a:ext cx="753626" cy="663191"/>
+          </a:xfrm>
+          <a:prstGeom prst="flowChartConnector">
+            <a:avLst/>
+          </a:prstGeom>
+        </p:spPr>
+        <p:style>
+          <a:lnRef idx="2">
+            <a:schemeClr val="accent1">
+              <a:shade val="50000"/>
+            </a:schemeClr>
+          </a:lnRef>
+          <a:fillRef idx="1">
+            <a:schemeClr val="accent1"/>
+          </a:fillRef>
+          <a:effectRef idx="0">
+            <a:schemeClr val="accent1"/>
+          </a:effectRef>
+          <a:fontRef idx="minor">
+            <a:schemeClr val="lt1"/>
+          </a:fontRef>
+        </p:style>
+        <p:txBody>
+          <a:bodyPr rtlCol="0" anchor="ctr"/>
+          <a:lstStyle/>
+          <a:p>
+            <a:pPr algn="ctr"/>
+            <a:r>
+              <a:rPr lang="en-US" altLang="zh-CN" dirty="0"/>
+              <a:t>0</a:t>
+            </a:r>
+            <a:endParaRPr lang="zh-CN" altLang="en-US" dirty="0"/>
+          </a:p>
+        </p:txBody>
+      </p:sp>
+      <p:sp>
+        <p:nvSpPr>
+          <p:cNvPr id="8" name="文本框 7">
+            <a:extLst>
+              <a:ext uri="{FF2B5EF4-FFF2-40B4-BE49-F238E27FC236}">
+                <a16:creationId xmlns:a16="http://schemas.microsoft.com/office/drawing/2014/main" id="{5636213B-95EB-409E-AA5A-0BC56EC40A83}"/>
+              </a:ext>
+            </a:extLst>
+          </p:cNvPr>
+          <p:cNvSpPr txBox="1"/>
+          <p:nvPr/>
+        </p:nvSpPr>
+        <p:spPr>
+          <a:xfrm>
+            <a:off x="6579626" y="2509073"/>
+            <a:ext cx="2582619" cy="369332"/>
+          </a:xfrm>
+          <a:prstGeom prst="rect">
+            <a:avLst/>
+          </a:prstGeom>
+          <a:noFill/>
+        </p:spPr>
+        <p:txBody>
+          <a:bodyPr wrap="square" rtlCol="0">
+            <a:spAutoFit/>
+          </a:bodyPr>
+          <a:lstStyle/>
+          <a:p>
+            <a:r>
+              <a:rPr lang="en-US" altLang="zh-CN" dirty="0" err="1"/>
+              <a:t>arr</a:t>
+            </a:r>
+            <a:r>
+              <a:rPr lang="zh-CN" altLang="en-US" dirty="0"/>
+              <a:t>数组</a:t>
+            </a:r>
+          </a:p>
+        </p:txBody>
+      </p:sp>
+      <p:sp>
+        <p:nvSpPr>
+          <p:cNvPr id="9" name="流程图: 接点 8">
+            <a:extLst>
+              <a:ext uri="{FF2B5EF4-FFF2-40B4-BE49-F238E27FC236}">
+                <a16:creationId xmlns:a16="http://schemas.microsoft.com/office/drawing/2014/main" id="{73B22DC3-7484-4F7F-A2E8-6B778A5751EF}"/>
+              </a:ext>
+            </a:extLst>
+          </p:cNvPr>
+          <p:cNvSpPr/>
+          <p:nvPr/>
+        </p:nvSpPr>
+        <p:spPr>
+          <a:xfrm>
+            <a:off x="3447567" y="2095862"/>
+            <a:ext cx="753626" cy="663191"/>
+          </a:xfrm>
+          <a:prstGeom prst="flowChartConnector">
+            <a:avLst/>
+          </a:prstGeom>
+        </p:spPr>
+        <p:style>
+          <a:lnRef idx="2">
+            <a:schemeClr val="accent1">
+              <a:shade val="50000"/>
+            </a:schemeClr>
+          </a:lnRef>
+          <a:fillRef idx="1">
+            <a:schemeClr val="accent1"/>
+          </a:fillRef>
+          <a:effectRef idx="0">
+            <a:schemeClr val="accent1"/>
+          </a:effectRef>
+          <a:fontRef idx="minor">
+            <a:schemeClr val="lt1"/>
+          </a:fontRef>
+        </p:style>
+        <p:txBody>
+          <a:bodyPr rtlCol="0" anchor="ctr"/>
+          <a:lstStyle/>
+          <a:p>
+            <a:pPr algn="ctr"/>
+            <a:r>
+              <a:rPr lang="en-US" altLang="zh-CN" dirty="0"/>
+              <a:t>96</a:t>
+            </a:r>
+            <a:endParaRPr lang="zh-CN" altLang="en-US" dirty="0"/>
+          </a:p>
+        </p:txBody>
+      </p:sp>
+      <p:sp>
+        <p:nvSpPr>
+          <p:cNvPr id="10" name="流程图: 接点 9">
+            <a:extLst>
+              <a:ext uri="{FF2B5EF4-FFF2-40B4-BE49-F238E27FC236}">
+                <a16:creationId xmlns:a16="http://schemas.microsoft.com/office/drawing/2014/main" id="{7CD69865-23A6-4100-A560-B0C6B9E35A9B}"/>
+              </a:ext>
+            </a:extLst>
+          </p:cNvPr>
+          <p:cNvSpPr/>
+          <p:nvPr/>
+        </p:nvSpPr>
+        <p:spPr>
+          <a:xfrm>
+            <a:off x="4267684" y="2090838"/>
+            <a:ext cx="753626" cy="663191"/>
+          </a:xfrm>
+          <a:prstGeom prst="flowChartConnector">
+            <a:avLst/>
+          </a:prstGeom>
+        </p:spPr>
+        <p:style>
+          <a:lnRef idx="2">
+            <a:schemeClr val="accent1">
+              <a:shade val="50000"/>
+            </a:schemeClr>
+          </a:lnRef>
+          <a:fillRef idx="1">
+            <a:schemeClr val="accent1"/>
+          </a:fillRef>
+          <a:effectRef idx="0">
+            <a:schemeClr val="accent1"/>
+          </a:effectRef>
+          <a:fontRef idx="minor">
+            <a:schemeClr val="lt1"/>
+          </a:fontRef>
+        </p:style>
+        <p:txBody>
+          <a:bodyPr rtlCol="0" anchor="ctr"/>
+          <a:lstStyle/>
+          <a:p>
+            <a:pPr algn="ctr"/>
+            <a:r>
+              <a:rPr lang="en-US" altLang="zh-CN" dirty="0"/>
+              <a:t>17</a:t>
+            </a:r>
+            <a:endParaRPr lang="zh-CN" altLang="en-US" dirty="0"/>
+          </a:p>
+        </p:txBody>
+      </p:sp>
+      <p:sp>
+        <p:nvSpPr>
+          <p:cNvPr id="11" name="矩形 10">
+            <a:extLst>
+              <a:ext uri="{FF2B5EF4-FFF2-40B4-BE49-F238E27FC236}">
+                <a16:creationId xmlns:a16="http://schemas.microsoft.com/office/drawing/2014/main" id="{66E8EB7D-7FF7-43D8-AE30-D6FA6A1613FB}"/>
+              </a:ext>
+            </a:extLst>
+          </p:cNvPr>
+          <p:cNvSpPr/>
+          <p:nvPr/>
+        </p:nvSpPr>
+        <p:spPr>
+          <a:xfrm>
+            <a:off x="854428" y="4403635"/>
+            <a:ext cx="6571304" cy="753626"/>
+          </a:xfrm>
+          <a:prstGeom prst="rect">
+            <a:avLst/>
+          </a:prstGeom>
+          <a:noFill/>
+        </p:spPr>
+        <p:style>
+          <a:lnRef idx="2">
+            <a:schemeClr val="accent1">
+              <a:shade val="50000"/>
+            </a:schemeClr>
+          </a:lnRef>
+          <a:fillRef idx="1">
+            <a:schemeClr val="accent1"/>
+          </a:fillRef>
+          <a:effectRef idx="0">
+            <a:schemeClr val="accent1"/>
+          </a:effectRef>
+          <a:fontRef idx="minor">
+            <a:schemeClr val="lt1"/>
+          </a:fontRef>
+        </p:style>
+        <p:txBody>
+          <a:bodyPr rtlCol="0" anchor="ctr"/>
+          <a:lstStyle/>
+          <a:p>
+            <a:pPr algn="ctr"/>
+            <a:endParaRPr lang="zh-CN" altLang="en-US"/>
+          </a:p>
+        </p:txBody>
+      </p:sp>
+      <p:sp>
+        <p:nvSpPr>
+          <p:cNvPr id="12" name="流程图: 接点 11">
+            <a:extLst>
+              <a:ext uri="{FF2B5EF4-FFF2-40B4-BE49-F238E27FC236}">
+                <a16:creationId xmlns:a16="http://schemas.microsoft.com/office/drawing/2014/main" id="{8ABD79B9-D7C1-45F3-8CC2-1ED62F6BAE47}"/>
+              </a:ext>
+            </a:extLst>
+          </p:cNvPr>
+          <p:cNvSpPr/>
+          <p:nvPr/>
+        </p:nvSpPr>
+        <p:spPr>
+          <a:xfrm>
+            <a:off x="5080332" y="2091619"/>
+            <a:ext cx="753626" cy="663191"/>
+          </a:xfrm>
+          <a:prstGeom prst="flowChartConnector">
+            <a:avLst/>
+          </a:prstGeom>
+        </p:spPr>
+        <p:style>
+          <a:lnRef idx="2">
+            <a:schemeClr val="accent1">
+              <a:shade val="50000"/>
+            </a:schemeClr>
+          </a:lnRef>
+          <a:fillRef idx="1">
+            <a:schemeClr val="accent1"/>
+          </a:fillRef>
+          <a:effectRef idx="0">
+            <a:schemeClr val="accent1"/>
+          </a:effectRef>
+          <a:fontRef idx="minor">
+            <a:schemeClr val="lt1"/>
+          </a:fontRef>
+        </p:style>
+        <p:txBody>
+          <a:bodyPr rtlCol="0" anchor="ctr"/>
+          <a:lstStyle/>
+          <a:p>
+            <a:pPr algn="ctr"/>
+            <a:r>
+              <a:rPr lang="en-US" altLang="zh-CN" dirty="0"/>
+              <a:t>23</a:t>
+            </a:r>
+            <a:endParaRPr lang="zh-CN" altLang="en-US" dirty="0"/>
+          </a:p>
+        </p:txBody>
+      </p:sp>
+      <p:sp>
+        <p:nvSpPr>
+          <p:cNvPr id="13" name="文本框 12">
+            <a:extLst>
+              <a:ext uri="{FF2B5EF4-FFF2-40B4-BE49-F238E27FC236}">
+                <a16:creationId xmlns:a16="http://schemas.microsoft.com/office/drawing/2014/main" id="{1EF190EA-F39F-4F9A-9DC6-996234466419}"/>
+              </a:ext>
+            </a:extLst>
+          </p:cNvPr>
+          <p:cNvSpPr txBox="1"/>
+          <p:nvPr/>
+        </p:nvSpPr>
+        <p:spPr>
+          <a:xfrm>
+            <a:off x="7666523" y="4505347"/>
+            <a:ext cx="2582619" cy="369332"/>
+          </a:xfrm>
+          <a:prstGeom prst="rect">
+            <a:avLst/>
+          </a:prstGeom>
+          <a:noFill/>
+        </p:spPr>
+        <p:txBody>
+          <a:bodyPr wrap="square" rtlCol="0">
+            <a:spAutoFit/>
+          </a:bodyPr>
+          <a:lstStyle/>
+          <a:p>
+            <a:r>
+              <a:rPr lang="en-US" altLang="zh-CN" dirty="0"/>
+              <a:t>help</a:t>
+            </a:r>
+            <a:r>
+              <a:rPr lang="zh-CN" altLang="en-US" dirty="0"/>
+              <a:t>数组</a:t>
+            </a:r>
+          </a:p>
+        </p:txBody>
+      </p:sp>
+      <p:sp>
+        <p:nvSpPr>
+          <p:cNvPr id="14" name="文本框 13">
+            <a:extLst>
+              <a:ext uri="{FF2B5EF4-FFF2-40B4-BE49-F238E27FC236}">
+                <a16:creationId xmlns:a16="http://schemas.microsoft.com/office/drawing/2014/main" id="{1EC50910-D786-40C8-9EAC-AFC569354D2D}"/>
+              </a:ext>
+            </a:extLst>
+          </p:cNvPr>
+          <p:cNvSpPr txBox="1"/>
+          <p:nvPr/>
+        </p:nvSpPr>
+        <p:spPr>
+          <a:xfrm>
+            <a:off x="945030" y="5265337"/>
+            <a:ext cx="5740674" cy="369332"/>
+          </a:xfrm>
+          <a:prstGeom prst="rect">
+            <a:avLst/>
+          </a:prstGeom>
+          <a:noFill/>
+        </p:spPr>
+        <p:txBody>
+          <a:bodyPr wrap="none" rtlCol="0">
+            <a:spAutoFit/>
+          </a:bodyPr>
+          <a:lstStyle/>
+          <a:p>
+            <a:r>
+              <a:rPr lang="en-US" altLang="zh-CN" dirty="0"/>
+              <a:t>0    1    2    …   17   …   23   …………   96    ……………      200</a:t>
+            </a:r>
+            <a:endParaRPr lang="zh-CN" altLang="en-US" dirty="0"/>
+          </a:p>
+        </p:txBody>
+      </p:sp>
+      <p:sp>
+        <p:nvSpPr>
+          <p:cNvPr id="16" name="文本框 15">
+            <a:extLst>
+              <a:ext uri="{FF2B5EF4-FFF2-40B4-BE49-F238E27FC236}">
+                <a16:creationId xmlns:a16="http://schemas.microsoft.com/office/drawing/2014/main" id="{D26943FA-2310-475C-AB07-A9157AFA3CC8}"/>
+              </a:ext>
+            </a:extLst>
+          </p:cNvPr>
+          <p:cNvSpPr txBox="1"/>
+          <p:nvPr/>
+        </p:nvSpPr>
+        <p:spPr>
+          <a:xfrm>
+            <a:off x="911852" y="4634859"/>
+            <a:ext cx="5444119" cy="369332"/>
+          </a:xfrm>
+          <a:prstGeom prst="rect">
+            <a:avLst/>
+          </a:prstGeom>
+          <a:noFill/>
+        </p:spPr>
+        <p:txBody>
+          <a:bodyPr wrap="none" rtlCol="0">
+            <a:spAutoFit/>
+          </a:bodyPr>
+          <a:lstStyle/>
+          <a:p>
+            <a:r>
+              <a:rPr lang="en-US" altLang="zh-CN" dirty="0"/>
+              <a:t>0    0    0    …   2   …       2   …………   1     ……………      0</a:t>
+            </a:r>
+            <a:endParaRPr lang="zh-CN" altLang="en-US" dirty="0"/>
+          </a:p>
+        </p:txBody>
+      </p:sp>
+    </p:spTree>
+    <p:extLst>
+      <p:ext uri="{BB962C8B-B14F-4D97-AF65-F5344CB8AC3E}">
+        <p14:creationId xmlns:p14="http://schemas.microsoft.com/office/powerpoint/2010/main" val="1249641770"/>
+      </p:ext>
+    </p:extLst>
+  </p:cSld>
+  <p:clrMapOvr>
+    <a:masterClrMapping/>
+  </p:clrMapOvr>
+  <p:timing>
+    <p:tnLst>
+      <p:par>
+        <p:cTn id="1" dur="indefinite" restart="never" nodeType="tmRoot">
+          <p:childTnLst>
+            <p:seq concurrent="1" nextAc="seek">
+              <p:cTn id="2" dur="indefinite" nodeType="mainSeq">
+                <p:childTnLst>
+                  <p:par>
+                    <p:cTn id="3" fill="hold">
+                      <p:stCondLst>
+                        <p:cond delay="indefinite"/>
+                      </p:stCondLst>
+                      <p:childTnLst>
+                        <p:par>
+                          <p:cTn id="4" fill="hold">
+                            <p:stCondLst>
+                              <p:cond delay="0"/>
+                            </p:stCondLst>
+                            <p:childTnLst>
+                              <p:par>
+                                <p:cTn id="5" presetID="10" presetClass="entr" presetSubtype="0" fill="hold" grpId="0" nodeType="clickEffect">
+                                  <p:stCondLst>
+                                    <p:cond delay="0"/>
+                                  </p:stCondLst>
+                                  <p:childTnLst>
+                                    <p:set>
+                                      <p:cBhvr>
+                                        <p:cTn id="6" dur="1" fill="hold">
+                                          <p:stCondLst>
+                                            <p:cond delay="0"/>
+                                          </p:stCondLst>
+                                        </p:cTn>
+                                        <p:tgtEl>
+                                          <p:spTgt spid="4"/>
+                                        </p:tgtEl>
+                                        <p:attrNameLst>
+                                          <p:attrName>style.visibility</p:attrName>
+                                        </p:attrNameLst>
+                                      </p:cBhvr>
+                                      <p:to>
+                                        <p:strVal val="visible"/>
+                                      </p:to>
+                                    </p:set>
+                                    <p:animEffect transition="in" filter="fade">
+                                      <p:cBhvr>
+                                        <p:cTn id="7" dur="500"/>
+                                        <p:tgtEl>
+                                          <p:spTgt spid="4"/>
+                                        </p:tgtEl>
+                                      </p:cBhvr>
+                                    </p:animEffect>
+                                  </p:childTnLst>
+                                </p:cTn>
+                              </p:par>
+                              <p:par>
+                                <p:cTn id="8" presetID="10" presetClass="entr" presetSubtype="0" fill="hold" grpId="0" nodeType="withEffect">
+                                  <p:stCondLst>
+                                    <p:cond delay="0"/>
+                                  </p:stCondLst>
+                                  <p:childTnLst>
+                                    <p:set>
+                                      <p:cBhvr>
+                                        <p:cTn id="9" dur="1" fill="hold">
+                                          <p:stCondLst>
+                                            <p:cond delay="0"/>
+                                          </p:stCondLst>
+                                        </p:cTn>
+                                        <p:tgtEl>
+                                          <p:spTgt spid="5"/>
+                                        </p:tgtEl>
+                                        <p:attrNameLst>
+                                          <p:attrName>style.visibility</p:attrName>
+                                        </p:attrNameLst>
+                                      </p:cBhvr>
+                                      <p:to>
+                                        <p:strVal val="visible"/>
+                                      </p:to>
+                                    </p:set>
+                                    <p:animEffect transition="in" filter="fade">
+                                      <p:cBhvr>
+                                        <p:cTn id="10" dur="500"/>
+                                        <p:tgtEl>
+                                          <p:spTgt spid="5"/>
+                                        </p:tgtEl>
+                                      </p:cBhvr>
+                                    </p:animEffect>
+                                  </p:childTnLst>
+                                </p:cTn>
+                              </p:par>
+                              <p:par>
+                                <p:cTn id="11" presetID="10" presetClass="entr" presetSubtype="0" fill="hold" grpId="0" nodeType="withEffect">
+                                  <p:stCondLst>
+                                    <p:cond delay="0"/>
+                                  </p:stCondLst>
+                                  <p:childTnLst>
+                                    <p:set>
+                                      <p:cBhvr>
+                                        <p:cTn id="12" dur="1" fill="hold">
+                                          <p:stCondLst>
+                                            <p:cond delay="0"/>
+                                          </p:stCondLst>
+                                        </p:cTn>
+                                        <p:tgtEl>
+                                          <p:spTgt spid="6"/>
+                                        </p:tgtEl>
+                                        <p:attrNameLst>
+                                          <p:attrName>style.visibility</p:attrName>
+                                        </p:attrNameLst>
+                                      </p:cBhvr>
+                                      <p:to>
+                                        <p:strVal val="visible"/>
+                                      </p:to>
+                                    </p:set>
+                                    <p:animEffect transition="in" filter="fade">
+                                      <p:cBhvr>
+                                        <p:cTn id="13" dur="500"/>
+                                        <p:tgtEl>
+                                          <p:spTgt spid="6"/>
+                                        </p:tgtEl>
+                                      </p:cBhvr>
+                                    </p:animEffect>
+                                  </p:childTnLst>
+                                </p:cTn>
+                              </p:par>
+                              <p:par>
+                                <p:cTn id="14" presetID="10" presetClass="entr" presetSubtype="0" fill="hold" grpId="0" nodeType="withEffect">
+                                  <p:stCondLst>
+                                    <p:cond delay="0"/>
+                                  </p:stCondLst>
+                                  <p:childTnLst>
+                                    <p:set>
+                                      <p:cBhvr>
+                                        <p:cTn id="15" dur="1" fill="hold">
+                                          <p:stCondLst>
+                                            <p:cond delay="0"/>
+                                          </p:stCondLst>
+                                        </p:cTn>
+                                        <p:tgtEl>
+                                          <p:spTgt spid="7"/>
+                                        </p:tgtEl>
+                                        <p:attrNameLst>
+                                          <p:attrName>style.visibility</p:attrName>
+                                        </p:attrNameLst>
+                                      </p:cBhvr>
+                                      <p:to>
+                                        <p:strVal val="visible"/>
+                                      </p:to>
+                                    </p:set>
+                                    <p:animEffect transition="in" filter="fade">
+                                      <p:cBhvr>
+                                        <p:cTn id="16" dur="500"/>
+                                        <p:tgtEl>
+                                          <p:spTgt spid="7"/>
+                                        </p:tgtEl>
+                                      </p:cBhvr>
+                                    </p:animEffect>
+                                  </p:childTnLst>
+                                </p:cTn>
+                              </p:par>
+                            </p:childTnLst>
+                          </p:cTn>
+                        </p:par>
+                      </p:childTnLst>
+                    </p:cTn>
+                  </p:par>
+                  <p:par>
+                    <p:cTn id="17" fill="hold">
+                      <p:stCondLst>
+                        <p:cond delay="indefinite"/>
+                      </p:stCondLst>
+                      <p:childTnLst>
+                        <p:par>
+                          <p:cTn id="18" fill="hold">
+                            <p:stCondLst>
+                              <p:cond delay="0"/>
+                            </p:stCondLst>
+                            <p:childTnLst>
+                              <p:par>
+                                <p:cTn id="19" presetID="0" presetClass="path" presetSubtype="0" accel="50000" decel="50000" fill="hold" grpId="1" nodeType="clickEffect">
+                                  <p:stCondLst>
+                                    <p:cond delay="0"/>
+                                  </p:stCondLst>
+                                  <p:childTnLst>
+                                    <p:animMotion origin="layout" path="M 0.01029 0.02778 L 0.01029 0.02778 C 0.01406 0.03102 0.01823 0.03357 0.02174 0.03796 C 0.025 0.04167 0.02331 0.04028 0.02669 0.04236 C 0.02786 0.04421 0.02878 0.04653 0.02995 0.04815 C 0.03932 0.06088 0.03437 0.05347 0.04075 0.05995 C 0.04531 0.06458 0.04088 0.06134 0.04648 0.06574 C 0.05299 0.07083 0.04844 0.0662 0.0556 0.07315 C 0.05976 0.07708 0.06341 0.08171 0.06797 0.08472 C 0.07279 0.0882 0.07409 0.08681 0.07864 0.09074 C 0.0806 0.09236 0.08242 0.09491 0.08437 0.09653 C 0.08594 0.09792 0.08776 0.09838 0.08932 0.09954 C 0.09128 0.1007 0.0931 0.10255 0.09505 0.10394 C 0.097 0.10509 0.09909 0.10556 0.10091 0.10671 C 0.10312 0.10833 0.10534 0.11065 0.10742 0.11273 L 0.11575 0.11991 C 0.11575 0.11991 0.12226 0.12593 0.12226 0.12593 C 0.12513 0.12755 0.125 0.12755 0.12812 0.1287 C 0.12943 0.1294 0.13398 0.13079 0.13555 0.13171 C 0.14414 0.1375 0.13359 0.13241 0.14206 0.13611 C 0.14427 0.13796 0.14635 0.14097 0.1487 0.1419 C 0.15378 0.14421 0.15573 0.14491 0.16185 0.14931 C 0.16497 0.15162 0.16758 0.15347 0.17096 0.15509 C 0.17226 0.15579 0.1737 0.15625 0.175 0.15671 C 0.17617 0.15764 0.17721 0.1588 0.17838 0.15949 C 0.18138 0.16181 0.18411 0.16181 0.18737 0.16389 C 0.18958 0.16551 0.19193 0.16667 0.19401 0.16829 C 0.19622 0.17014 0.19844 0.17222 0.20065 0.17431 C 0.20169 0.17523 0.20286 0.17593 0.20391 0.17708 C 0.2069 0.18079 0.20924 0.1838 0.21302 0.18588 C 0.21458 0.18681 0.21628 0.18773 0.21797 0.18889 C 0.21901 0.18958 0.22005 0.19097 0.22122 0.1919 C 0.22226 0.19259 0.22344 0.19259 0.22448 0.19329 C 0.22812 0.1956 0.22721 0.19607 0.23034 0.19908 C 0.23581 0.20463 0.23138 0.2 0.23607 0.20347 C 0.23724 0.2044 0.23828 0.20556 0.23932 0.20648 C 0.2401 0.20695 0.24101 0.20741 0.2418 0.20787 C 0.24323 0.2088 0.24453 0.20995 0.24596 0.21088 C 0.24922 0.21273 0.25221 0.21296 0.25586 0.21389 C 0.26732 0.21644 0.25651 0.21458 0.27474 0.21667 C 0.27565 0.21713 0.27643 0.21783 0.27721 0.21829 C 0.27891 0.21875 0.2806 0.21875 0.28216 0.21968 C 0.2832 0.22014 0.28372 0.22199 0.28463 0.22269 C 0.28815 0.22477 0.29258 0.22593 0.29622 0.22685 C 0.30456 0.23426 0.29401 0.2257 0.30364 0.23125 C 0.30482 0.23195 0.30573 0.23357 0.3069 0.23426 C 0.31029 0.23658 0.31198 0.23727 0.31523 0.23866 C 0.31693 0.24028 0.31888 0.24236 0.32096 0.24306 C 0.32148 0.24329 0.322 0.24306 0.32266 0.24306 L 0.32266 0.24306 " pathEditMode="relative" ptsTypes="AAAAAAAAAAAAAAAAAAAAAAAAAAAAAAAAAAAAAAAAAAAAAAAAAA">
+                                      <p:cBhvr>
+                                        <p:cTn id="20" dur="2000" fill="hold"/>
+                                        <p:tgtEl>
+                                          <p:spTgt spid="5"/>
+                                        </p:tgtEl>
+                                        <p:attrNameLst>
+                                          <p:attrName>ppt_x</p:attrName>
+                                          <p:attrName>ppt_y</p:attrName>
+                                        </p:attrNameLst>
+                                      </p:cBhvr>
+                                    </p:animMotion>
+                                  </p:childTnLst>
+                                </p:cTn>
+                              </p:par>
+                            </p:childTnLst>
+                          </p:cTn>
+                        </p:par>
+                      </p:childTnLst>
+                    </p:cTn>
+                  </p:par>
+                  <p:par>
+                    <p:cTn id="21" fill="hold">
+                      <p:stCondLst>
+                        <p:cond delay="indefinite"/>
+                      </p:stCondLst>
+                      <p:childTnLst>
+                        <p:par>
+                          <p:cTn id="22" fill="hold">
+                            <p:stCondLst>
+                              <p:cond delay="0"/>
+                            </p:stCondLst>
+                            <p:childTnLst>
+                              <p:par>
+                                <p:cTn id="23" presetID="0" presetClass="path" presetSubtype="0" accel="50000" decel="50000" fill="hold" grpId="1" nodeType="clickEffect">
+                                  <p:stCondLst>
+                                    <p:cond delay="0"/>
+                                  </p:stCondLst>
+                                  <p:childTnLst>
+                                    <p:animMotion origin="layout" path="M -0.00391 0.02477 L -0.00391 0.02477 C -0.00065 0.04537 0.00091 0.06736 0.00599 0.08681 C 0.00768 0.09329 0.00937 0.09954 0.01107 0.10602 C 0.01133 0.10764 0.01172 0.10903 0.01185 0.11065 C 0.01771 0.15556 0.00742 0.08565 0.01771 0.14745 C 0.01823 0.15116 0.02526 0.2 0.02773 0.20972 C 0.03463 0.23796 0.05221 0.27361 0.06276 0.28982 C 0.06458 0.29259 0.06667 0.29537 0.06849 0.29861 C 0.07344 0.30718 0.07799 0.31644 0.08268 0.32523 C 0.08411 0.32778 0.08555 0.32986 0.08685 0.33264 C 0.08945 0.3382 0.09206 0.34445 0.09518 0.34884 C 0.097 0.35162 0.09922 0.3537 0.10104 0.35625 C 0.10195 0.35764 0.10247 0.35972 0.10351 0.36088 C 0.10508 0.36227 0.10703 0.36204 0.10859 0.36366 C 0.11172 0.36759 0.11002 0.3662 0.11354 0.36829 C 0.12513 0.38889 0.10573 0.35394 0.11849 0.37847 C 0.12252 0.38611 0.12669 0.39421 0.1319 0.39931 C 0.13424 0.40162 0.13672 0.4037 0.13932 0.40509 C 0.14101 0.40625 0.14271 0.40625 0.1444 0.40671 C 0.15325 0.41296 0.14974 0.4125 0.15443 0.4125 L 0.15443 0.4125 " pathEditMode="relative" ptsTypes="AAAAAAAAAAAAAAAAAAAAAA">
+                                      <p:cBhvr>
+                                        <p:cTn id="24" dur="2000" fill="hold"/>
+                                        <p:tgtEl>
+                                          <p:spTgt spid="6"/>
+                                        </p:tgtEl>
+                                        <p:attrNameLst>
+                                          <p:attrName>ppt_x</p:attrName>
+                                          <p:attrName>ppt_y</p:attrName>
+                                        </p:attrNameLst>
+                                      </p:cBhvr>
+                                    </p:animMotion>
+                                  </p:childTnLst>
+                                </p:cTn>
+                              </p:par>
+                            </p:childTnLst>
+                          </p:cTn>
+                        </p:par>
+                      </p:childTnLst>
+                    </p:cTn>
+                  </p:par>
+                  <p:par>
+                    <p:cTn id="25" fill="hold">
+                      <p:stCondLst>
+                        <p:cond delay="indefinite"/>
+                      </p:stCondLst>
+                      <p:childTnLst>
+                        <p:par>
+                          <p:cTn id="26" fill="hold">
+                            <p:stCondLst>
+                              <p:cond delay="0"/>
+                            </p:stCondLst>
+                            <p:childTnLst>
+                              <p:par>
+                                <p:cTn id="27" presetID="0" presetClass="path" presetSubtype="0" accel="50000" decel="50000" fill="hold" grpId="1" nodeType="clickEffect">
+                                  <p:stCondLst>
+                                    <p:cond delay="0"/>
+                                  </p:stCondLst>
+                                  <p:childTnLst>
+                                    <p:animMotion origin="layout" path="M 0.00091 0.00833 L 0.00091 0.00833 C 0.00247 0.01158 0.00443 0.01482 0.00586 0.01852 C 0.0069 0.0213 0.00742 0.02454 0.00833 0.02755 C 0.01302 0.0419 0.01172 0.03634 0.01666 0.04977 C 0.0181 0.05347 0.01927 0.05787 0.02083 0.06158 C 0.02226 0.06482 0.02422 0.06736 0.02578 0.07037 C 0.02734 0.07338 0.02851 0.07639 0.02995 0.0794 C 0.03659 0.09213 0.0332 0.08495 0.04088 0.0956 C 0.04427 0.10046 0.04726 0.10625 0.05078 0.11042 C 0.06862 0.13148 0.05456 0.11389 0.06588 0.12963 C 0.06797 0.13264 0.07044 0.13519 0.07252 0.13866 C 0.07409 0.1412 0.07513 0.14468 0.07669 0.14745 C 0.07851 0.1507 0.08073 0.15301 0.08255 0.15625 C 0.09479 0.17801 0.0819 0.15857 0.09414 0.17847 C 0.09544 0.18079 0.097 0.18218 0.09831 0.18449 C 0.09961 0.18681 0.10026 0.18982 0.10169 0.1919 C 0.10482 0.1963 0.10885 0.19861 0.11172 0.2037 C 0.11276 0.20579 0.11393 0.20764 0.11497 0.20972 C 0.1164 0.2125 0.11888 0.21898 0.12083 0.22153 C 0.12187 0.22269 0.12318 0.22315 0.12409 0.22454 C 0.12513 0.2257 0.12578 0.22755 0.12669 0.22894 C 0.12747 0.23009 0.12838 0.23079 0.12916 0.23195 C 0.13008 0.23333 0.13073 0.23495 0.13164 0.23634 C 0.13242 0.2375 0.13346 0.23796 0.13411 0.23935 C 0.13541 0.24144 0.1362 0.24445 0.1375 0.24676 C 0.1388 0.24884 0.14036 0.25046 0.14166 0.25255 C 0.14258 0.25394 0.14323 0.25579 0.14414 0.25718 C 0.1457 0.25926 0.14909 0.26296 0.14909 0.26296 C 0.15143 0.26921 0.15208 0.27199 0.15495 0.27639 C 0.15573 0.27755 0.15677 0.27801 0.15742 0.2794 C 0.1595 0.28264 0.16133 0.28611 0.16328 0.28958 C 0.16445 0.29167 0.16536 0.29398 0.16666 0.2956 C 0.16745 0.29653 0.16849 0.29722 0.16914 0.29861 C 0.17018 0.30023 0.1707 0.30255 0.17161 0.3044 C 0.17239 0.30602 0.17344 0.30741 0.17409 0.3088 C 0.175 0.31088 0.17565 0.3132 0.17669 0.31482 C 0.1776 0.31667 0.17903 0.31759 0.17995 0.31921 C 0.18073 0.3206 0.18099 0.32245 0.18164 0.32361 C 0.1901 0.34051 0.1845 0.32894 0.19075 0.33843 C 0.19166 0.33982 0.19232 0.3419 0.19336 0.34306 C 0.19544 0.34537 0.2 0.34884 0.2 0.34884 C 0.20169 0.35347 0.20169 0.35394 0.20416 0.35787 C 0.20521 0.35949 0.20651 0.36042 0.20742 0.36227 C 0.2082 0.36343 0.20859 0.36528 0.20911 0.36667 C 0.20989 0.36875 0.21094 0.3706 0.21159 0.37269 C 0.21224 0.37454 0.2125 0.37685 0.21328 0.37847 C 0.21497 0.38218 0.22031 0.39167 0.22331 0.39329 L 0.22578 0.39491 C 0.22669 0.3963 0.22721 0.39815 0.22825 0.39931 C 0.22982 0.4007 0.23333 0.40232 0.23333 0.40232 C 0.23854 0.41158 0.23515 0.40787 0.24831 0.40509 C 0.24922 0.40509 0.25 0.40417 0.25078 0.4037 C 0.25195 0.40324 0.25312 0.40324 0.25416 0.40232 C 0.25443 0.40208 0.25416 0.40116 0.25416 0.4007 L 0.25416 0.4007 " pathEditMode="relative" ptsTypes="AAAAAAAAAAAAAAAAAAAAAAAAAAAAAAAAAAAAAAAAAAAAAAAAAAAAAAAA">
+                                      <p:cBhvr>
+                                        <p:cTn id="28" dur="2000" fill="hold"/>
+                                        <p:tgtEl>
+                                          <p:spTgt spid="7"/>
+                                        </p:tgtEl>
+                                        <p:attrNameLst>
+                                          <p:attrName>ppt_x</p:attrName>
+                                          <p:attrName>ppt_y</p:attrName>
+                                        </p:attrNameLst>
+                                      </p:cBhvr>
+                                    </p:animMotion>
+                                  </p:childTnLst>
+                                </p:cTn>
+                              </p:par>
+                            </p:childTnLst>
+                          </p:cTn>
+                        </p:par>
+                      </p:childTnLst>
+                    </p:cTn>
+                  </p:par>
+                  <p:par>
+                    <p:cTn id="29" fill="hold">
+                      <p:stCondLst>
+                        <p:cond delay="indefinite"/>
+                      </p:stCondLst>
+                      <p:childTnLst>
+                        <p:par>
+                          <p:cTn id="30" fill="hold">
+                            <p:stCondLst>
+                              <p:cond delay="0"/>
+                            </p:stCondLst>
+                            <p:childTnLst>
+                              <p:par>
+                                <p:cTn id="31" presetID="1" presetClass="entr" presetSubtype="0" fill="hold" grpId="0" nodeType="clickEffect">
+                                  <p:stCondLst>
+                                    <p:cond delay="0"/>
+                                  </p:stCondLst>
+                                  <p:childTnLst>
+                                    <p:set>
+                                      <p:cBhvr>
+                                        <p:cTn id="32" dur="1" fill="hold">
+                                          <p:stCondLst>
+                                            <p:cond delay="0"/>
+                                          </p:stCondLst>
+                                        </p:cTn>
+                                        <p:tgtEl>
+                                          <p:spTgt spid="8"/>
+                                        </p:tgtEl>
+                                        <p:attrNameLst>
+                                          <p:attrName>style.visibility</p:attrName>
+                                        </p:attrNameLst>
+                                      </p:cBhvr>
+                                      <p:to>
+                                        <p:strVal val="visible"/>
+                                      </p:to>
+                                    </p:set>
+                                  </p:childTnLst>
+                                </p:cTn>
+                              </p:par>
+                              <p:par>
+                                <p:cTn id="33" presetID="10" presetClass="entr" presetSubtype="0" fill="hold" grpId="0" nodeType="withEffect">
+                                  <p:stCondLst>
+                                    <p:cond delay="0"/>
+                                  </p:stCondLst>
+                                  <p:childTnLst>
+                                    <p:set>
+                                      <p:cBhvr>
+                                        <p:cTn id="34" dur="1" fill="hold">
+                                          <p:stCondLst>
+                                            <p:cond delay="0"/>
+                                          </p:stCondLst>
+                                        </p:cTn>
+                                        <p:tgtEl>
+                                          <p:spTgt spid="9"/>
+                                        </p:tgtEl>
+                                        <p:attrNameLst>
+                                          <p:attrName>style.visibility</p:attrName>
+                                        </p:attrNameLst>
+                                      </p:cBhvr>
+                                      <p:to>
+                                        <p:strVal val="visible"/>
+                                      </p:to>
+                                    </p:set>
+                                    <p:animEffect transition="in" filter="fade">
+                                      <p:cBhvr>
+                                        <p:cTn id="35" dur="500"/>
+                                        <p:tgtEl>
+                                          <p:spTgt spid="9"/>
+                                        </p:tgtEl>
+                                      </p:cBhvr>
+                                    </p:animEffect>
+                                  </p:childTnLst>
+                                </p:cTn>
+                              </p:par>
+                            </p:childTnLst>
+                          </p:cTn>
+                        </p:par>
+                      </p:childTnLst>
+                    </p:cTn>
+                  </p:par>
+                  <p:par>
+                    <p:cTn id="36" fill="hold">
+                      <p:stCondLst>
+                        <p:cond delay="indefinite"/>
+                      </p:stCondLst>
+                      <p:childTnLst>
+                        <p:par>
+                          <p:cTn id="37" fill="hold">
+                            <p:stCondLst>
+                              <p:cond delay="0"/>
+                            </p:stCondLst>
+                            <p:childTnLst>
+                              <p:par>
+                                <p:cTn id="38" presetID="0" presetClass="path" presetSubtype="0" accel="50000" decel="50000" fill="hold" grpId="1" nodeType="clickEffect">
+                                  <p:stCondLst>
+                                    <p:cond delay="0"/>
+                                  </p:stCondLst>
+                                  <p:childTnLst>
+                                    <p:animMotion origin="layout" path="M 0.00091 0.00833 L 0.00091 0.00833 C 0.00247 0.01158 0.00443 0.01482 0.00586 0.01852 C 0.0069 0.0213 0.00742 0.02454 0.00833 0.02755 C 0.01302 0.0419 0.01172 0.03634 0.01666 0.04977 C 0.0181 0.05347 0.01927 0.05787 0.02083 0.06158 C 0.02226 0.06482 0.02422 0.06736 0.02578 0.07037 C 0.02734 0.07338 0.02851 0.07639 0.02995 0.0794 C 0.03659 0.09213 0.0332 0.08495 0.04088 0.0956 C 0.04427 0.10046 0.04726 0.10625 0.05078 0.11042 C 0.06862 0.13148 0.05456 0.11389 0.06588 0.12963 C 0.06797 0.13264 0.07044 0.13519 0.07252 0.13866 C 0.07409 0.1412 0.07513 0.14468 0.07669 0.14745 C 0.07851 0.1507 0.08073 0.15301 0.08255 0.15625 C 0.09479 0.17801 0.0819 0.15857 0.09414 0.17847 C 0.09544 0.18079 0.097 0.18218 0.09831 0.18449 C 0.09961 0.18681 0.10026 0.18982 0.10169 0.1919 C 0.10482 0.1963 0.10885 0.19861 0.11172 0.2037 C 0.11276 0.20579 0.11393 0.20764 0.11497 0.20972 C 0.1164 0.2125 0.11888 0.21898 0.12083 0.22153 C 0.12187 0.22269 0.12318 0.22315 0.12409 0.22454 C 0.12513 0.2257 0.12578 0.22755 0.12669 0.22894 C 0.12747 0.23009 0.12838 0.23079 0.12916 0.23195 C 0.13008 0.23333 0.13073 0.23495 0.13164 0.23634 C 0.13242 0.2375 0.13346 0.23796 0.13411 0.23935 C 0.13541 0.24144 0.1362 0.24445 0.1375 0.24676 C 0.1388 0.24884 0.14036 0.25046 0.14166 0.25255 C 0.14258 0.25394 0.14323 0.25579 0.14414 0.25718 C 0.1457 0.25926 0.14909 0.26296 0.14909 0.26296 C 0.15143 0.26921 0.15208 0.27199 0.15495 0.27639 C 0.15573 0.27755 0.15677 0.27801 0.15742 0.2794 C 0.1595 0.28264 0.16133 0.28611 0.16328 0.28958 C 0.16445 0.29167 0.16536 0.29398 0.16666 0.2956 C 0.16745 0.29653 0.16849 0.29722 0.16914 0.29861 C 0.17018 0.30023 0.1707 0.30255 0.17161 0.3044 C 0.17239 0.30602 0.17344 0.30741 0.17409 0.3088 C 0.175 0.31088 0.17565 0.3132 0.17669 0.31482 C 0.1776 0.31667 0.17903 0.31759 0.17995 0.31921 C 0.18073 0.3206 0.18099 0.32245 0.18164 0.32361 C 0.1901 0.34051 0.1845 0.32894 0.19075 0.33843 C 0.19166 0.33982 0.19232 0.3419 0.19336 0.34306 C 0.19544 0.34537 0.2 0.34884 0.2 0.34884 C 0.20169 0.35347 0.20169 0.35394 0.20416 0.35787 C 0.20521 0.35949 0.20651 0.36042 0.20742 0.36227 C 0.2082 0.36343 0.20859 0.36528 0.20911 0.36667 C 0.20989 0.36875 0.21094 0.3706 0.21159 0.37269 C 0.21224 0.37454 0.2125 0.37685 0.21328 0.37847 C 0.21497 0.38218 0.22031 0.39167 0.22331 0.39329 L 0.22578 0.39491 C 0.22669 0.3963 0.22721 0.39815 0.22825 0.39931 C 0.22982 0.4007 0.23333 0.40232 0.23333 0.40232 C 0.23854 0.41158 0.23515 0.40787 0.24831 0.40509 C 0.24922 0.40509 0.25 0.40417 0.25078 0.4037 C 0.25195 0.40324 0.25312 0.40324 0.25416 0.40232 C 0.25443 0.40208 0.25416 0.40116 0.25416 0.4007 L 0.25416 0.4007 " pathEditMode="relative" ptsTypes="AAAAAAAAAAAAAAAAAAAAAAAAAAAAAAAAAAAAAAAAAAAAAAAAAAAAAAAA">
+                                      <p:cBhvr>
+                                        <p:cTn id="39" dur="2000" fill="hold"/>
+                                        <p:tgtEl>
+                                          <p:spTgt spid="9"/>
+                                        </p:tgtEl>
+                                        <p:attrNameLst>
+                                          <p:attrName>ppt_x</p:attrName>
+                                          <p:attrName>ppt_y</p:attrName>
+                                        </p:attrNameLst>
+                                      </p:cBhvr>
+                                    </p:animMotion>
+                                  </p:childTnLst>
+                                </p:cTn>
+                              </p:par>
+                              <p:par>
+                                <p:cTn id="40" presetID="10" presetClass="entr" presetSubtype="0" fill="hold" grpId="0" nodeType="withEffect">
+                                  <p:stCondLst>
+                                    <p:cond delay="0"/>
+                                  </p:stCondLst>
+                                  <p:childTnLst>
+                                    <p:set>
+                                      <p:cBhvr>
+                                        <p:cTn id="41" dur="1" fill="hold">
+                                          <p:stCondLst>
+                                            <p:cond delay="0"/>
+                                          </p:stCondLst>
+                                        </p:cTn>
+                                        <p:tgtEl>
+                                          <p:spTgt spid="10"/>
+                                        </p:tgtEl>
+                                        <p:attrNameLst>
+                                          <p:attrName>style.visibility</p:attrName>
+                                        </p:attrNameLst>
+                                      </p:cBhvr>
+                                      <p:to>
+                                        <p:strVal val="visible"/>
+                                      </p:to>
+                                    </p:set>
+                                    <p:animEffect transition="in" filter="fade">
+                                      <p:cBhvr>
+                                        <p:cTn id="42" dur="500"/>
+                                        <p:tgtEl>
+                                          <p:spTgt spid="10"/>
+                                        </p:tgtEl>
+                                      </p:cBhvr>
+                                    </p:animEffect>
+                                  </p:childTnLst>
+                                </p:cTn>
+                              </p:par>
+                            </p:childTnLst>
+                          </p:cTn>
+                        </p:par>
+                      </p:childTnLst>
+                    </p:cTn>
+                  </p:par>
+                  <p:par>
+                    <p:cTn id="43" fill="hold">
+                      <p:stCondLst>
+                        <p:cond delay="indefinite"/>
+                      </p:stCondLst>
+                      <p:childTnLst>
+                        <p:par>
+                          <p:cTn id="44" fill="hold">
+                            <p:stCondLst>
+                              <p:cond delay="0"/>
+                            </p:stCondLst>
+                            <p:childTnLst>
+                              <p:par>
+                                <p:cTn id="45" presetID="0" presetClass="path" presetSubtype="0" accel="50000" decel="50000" fill="hold" grpId="1" nodeType="clickEffect">
+                                  <p:stCondLst>
+                                    <p:cond delay="0"/>
+                                  </p:stCondLst>
+                                  <p:childTnLst>
+                                    <p:animMotion origin="layout" path="M 0.00091 0.00833 L 0.00091 0.00833 C 0.00247 0.01158 0.00443 0.01482 0.00586 0.01852 C 0.0069 0.0213 0.00742 0.02454 0.00833 0.02755 C 0.01302 0.0419 0.01172 0.03634 0.01666 0.04977 C 0.0181 0.05347 0.01927 0.05787 0.02083 0.06158 C 0.02226 0.06482 0.02422 0.06736 0.02578 0.07037 C 0.02734 0.07338 0.02851 0.07639 0.02995 0.0794 C 0.03659 0.09213 0.0332 0.08495 0.04088 0.0956 C 0.04427 0.10046 0.04726 0.10625 0.05078 0.11042 C 0.06862 0.13148 0.05456 0.11389 0.06588 0.12963 C 0.06797 0.13264 0.07044 0.13519 0.07252 0.13866 C 0.07409 0.1412 0.07513 0.14468 0.07669 0.14745 C 0.07851 0.1507 0.08073 0.15301 0.08255 0.15625 C 0.09479 0.17801 0.0819 0.15857 0.09414 0.17847 C 0.09544 0.18079 0.097 0.18218 0.09831 0.18449 C 0.09961 0.18681 0.10026 0.18982 0.10169 0.1919 C 0.10482 0.1963 0.10885 0.19861 0.11172 0.2037 C 0.11276 0.20579 0.11393 0.20764 0.11497 0.20972 C 0.1164 0.2125 0.11888 0.21898 0.12083 0.22153 C 0.12187 0.22269 0.12318 0.22315 0.12409 0.22454 C 0.12513 0.2257 0.12578 0.22755 0.12669 0.22894 C 0.12747 0.23009 0.12838 0.23079 0.12916 0.23195 C 0.13008 0.23333 0.13073 0.23495 0.13164 0.23634 C 0.13242 0.2375 0.13346 0.23796 0.13411 0.23935 C 0.13541 0.24144 0.1362 0.24445 0.1375 0.24676 C 0.1388 0.24884 0.14036 0.25046 0.14166 0.25255 C 0.14258 0.25394 0.14323 0.25579 0.14414 0.25718 C 0.1457 0.25926 0.14909 0.26296 0.14909 0.26296 C 0.15143 0.26921 0.15208 0.27199 0.15495 0.27639 C 0.15573 0.27755 0.15677 0.27801 0.15742 0.2794 C 0.1595 0.28264 0.16133 0.28611 0.16328 0.28958 C 0.16445 0.29167 0.16536 0.29398 0.16666 0.2956 C 0.16745 0.29653 0.16849 0.29722 0.16914 0.29861 C 0.17018 0.30023 0.1707 0.30255 0.17161 0.3044 C 0.17239 0.30602 0.17344 0.30741 0.17409 0.3088 C 0.175 0.31088 0.17565 0.3132 0.17669 0.31482 C 0.1776 0.31667 0.17903 0.31759 0.17995 0.31921 C 0.18073 0.3206 0.18099 0.32245 0.18164 0.32361 C 0.1901 0.34051 0.1845 0.32894 0.19075 0.33843 C 0.19166 0.33982 0.19232 0.3419 0.19336 0.34306 C 0.19544 0.34537 0.2 0.34884 0.2 0.34884 C 0.20169 0.35347 0.20169 0.35394 0.20416 0.35787 C 0.20521 0.35949 0.20651 0.36042 0.20742 0.36227 C 0.2082 0.36343 0.20859 0.36528 0.20911 0.36667 C 0.20989 0.36875 0.21094 0.3706 0.21159 0.37269 C 0.21224 0.37454 0.2125 0.37685 0.21328 0.37847 C 0.21497 0.38218 0.22031 0.39167 0.22331 0.39329 L 0.22578 0.39491 C 0.22669 0.3963 0.22721 0.39815 0.22825 0.39931 C 0.22982 0.4007 0.23333 0.40232 0.23333 0.40232 C 0.23854 0.41158 0.23515 0.40787 0.24831 0.40509 C 0.24922 0.40509 0.25 0.40417 0.25078 0.4037 C 0.25195 0.40324 0.25312 0.40324 0.25416 0.40232 C 0.25443 0.40208 0.25416 0.40116 0.25416 0.4007 L 0.25416 0.4007 " pathEditMode="relative" ptsTypes="AAAAAAAAAAAAAAAAAAAAAAAAAAAAAAAAAAAAAAAAAAAAAAAAAAAAAAAA">
+                                      <p:cBhvr>
+                                        <p:cTn id="46" dur="2000" fill="hold"/>
+                                        <p:tgtEl>
+                                          <p:spTgt spid="10"/>
+                                        </p:tgtEl>
+                                        <p:attrNameLst>
+                                          <p:attrName>ppt_x</p:attrName>
+                                          <p:attrName>ppt_y</p:attrName>
+                                        </p:attrNameLst>
+                                      </p:cBhvr>
+                                    </p:animMotion>
+                                  </p:childTnLst>
+                                </p:cTn>
+                              </p:par>
+                            </p:childTnLst>
+                          </p:cTn>
+                        </p:par>
+                      </p:childTnLst>
+                    </p:cTn>
+                  </p:par>
+                  <p:par>
+                    <p:cTn id="47" fill="hold">
+                      <p:stCondLst>
+                        <p:cond delay="indefinite"/>
+                      </p:stCondLst>
+                      <p:childTnLst>
+                        <p:par>
+                          <p:cTn id="48" fill="hold">
+                            <p:stCondLst>
+                              <p:cond delay="0"/>
+                            </p:stCondLst>
+                            <p:childTnLst>
+                              <p:par>
+                                <p:cTn id="49" presetID="10" presetClass="entr" presetSubtype="0" fill="hold" grpId="0" nodeType="clickEffect">
+                                  <p:stCondLst>
+                                    <p:cond delay="0"/>
+                                  </p:stCondLst>
+                                  <p:childTnLst>
+                                    <p:set>
+                                      <p:cBhvr>
+                                        <p:cTn id="50" dur="1" fill="hold">
+                                          <p:stCondLst>
+                                            <p:cond delay="0"/>
+                                          </p:stCondLst>
+                                        </p:cTn>
+                                        <p:tgtEl>
+                                          <p:spTgt spid="11"/>
+                                        </p:tgtEl>
+                                        <p:attrNameLst>
+                                          <p:attrName>style.visibility</p:attrName>
+                                        </p:attrNameLst>
+                                      </p:cBhvr>
+                                      <p:to>
+                                        <p:strVal val="visible"/>
+                                      </p:to>
+                                    </p:set>
+                                    <p:animEffect transition="in" filter="fade">
+                                      <p:cBhvr>
+                                        <p:cTn id="51" dur="500"/>
+                                        <p:tgtEl>
+                                          <p:spTgt spid="11"/>
+                                        </p:tgtEl>
+                                      </p:cBhvr>
+                                    </p:animEffect>
+                                  </p:childTnLst>
+                                </p:cTn>
+                              </p:par>
+                              <p:par>
+                                <p:cTn id="52" presetID="10" presetClass="entr" presetSubtype="0" fill="hold" grpId="0" nodeType="withEffect">
+                                  <p:stCondLst>
+                                    <p:cond delay="0"/>
+                                  </p:stCondLst>
+                                  <p:childTnLst>
+                                    <p:set>
+                                      <p:cBhvr>
+                                        <p:cTn id="53" dur="1" fill="hold">
+                                          <p:stCondLst>
+                                            <p:cond delay="0"/>
+                                          </p:stCondLst>
+                                        </p:cTn>
+                                        <p:tgtEl>
+                                          <p:spTgt spid="12"/>
+                                        </p:tgtEl>
+                                        <p:attrNameLst>
+                                          <p:attrName>style.visibility</p:attrName>
+                                        </p:attrNameLst>
+                                      </p:cBhvr>
+                                      <p:to>
+                                        <p:strVal val="visible"/>
+                                      </p:to>
+                                    </p:set>
+                                    <p:animEffect transition="in" filter="fade">
+                                      <p:cBhvr>
+                                        <p:cTn id="54" dur="500"/>
+                                        <p:tgtEl>
+                                          <p:spTgt spid="12"/>
+                                        </p:tgtEl>
+                                      </p:cBhvr>
+                                    </p:animEffect>
+                                  </p:childTnLst>
+                                </p:cTn>
+                              </p:par>
+                            </p:childTnLst>
+                          </p:cTn>
+                        </p:par>
+                      </p:childTnLst>
+                    </p:cTn>
+                  </p:par>
+                  <p:par>
+                    <p:cTn id="55" fill="hold">
+                      <p:stCondLst>
+                        <p:cond delay="indefinite"/>
+                      </p:stCondLst>
+                      <p:childTnLst>
+                        <p:par>
+                          <p:cTn id="56" fill="hold">
+                            <p:stCondLst>
+                              <p:cond delay="0"/>
+                            </p:stCondLst>
+                            <p:childTnLst>
+                              <p:par>
+                                <p:cTn id="57" presetID="0" presetClass="path" presetSubtype="0" accel="50000" decel="50000" fill="hold" grpId="1" nodeType="clickEffect">
+                                  <p:stCondLst>
+                                    <p:cond delay="0"/>
+                                  </p:stCondLst>
+                                  <p:childTnLst>
+                                    <p:animMotion origin="layout" path="M 0.00091 0.00833 L 0.00091 0.00833 C 0.00247 0.01158 0.00443 0.01482 0.00586 0.01852 C 0.0069 0.0213 0.00742 0.02454 0.00833 0.02755 C 0.01302 0.0419 0.01172 0.03634 0.01666 0.04977 C 0.0181 0.05347 0.01927 0.05787 0.02083 0.06158 C 0.02226 0.06482 0.02422 0.06736 0.02578 0.07037 C 0.02734 0.07338 0.02851 0.07639 0.02995 0.0794 C 0.03659 0.09213 0.0332 0.08495 0.04088 0.0956 C 0.04427 0.10046 0.04726 0.10625 0.05078 0.11042 C 0.06862 0.13148 0.05456 0.11389 0.06588 0.12963 C 0.06797 0.13264 0.07044 0.13519 0.07252 0.13866 C 0.07409 0.1412 0.07513 0.14468 0.07669 0.14745 C 0.07851 0.1507 0.08073 0.15301 0.08255 0.15625 C 0.09479 0.17801 0.0819 0.15857 0.09414 0.17847 C 0.09544 0.18079 0.097 0.18218 0.09831 0.18449 C 0.09961 0.18681 0.10026 0.18982 0.10169 0.1919 C 0.10482 0.1963 0.10885 0.19861 0.11172 0.2037 C 0.11276 0.20579 0.11393 0.20764 0.11497 0.20972 C 0.1164 0.2125 0.11888 0.21898 0.12083 0.22153 C 0.12187 0.22269 0.12318 0.22315 0.12409 0.22454 C 0.12513 0.2257 0.12578 0.22755 0.12669 0.22894 C 0.12747 0.23009 0.12838 0.23079 0.12916 0.23195 C 0.13008 0.23333 0.13073 0.23495 0.13164 0.23634 C 0.13242 0.2375 0.13346 0.23796 0.13411 0.23935 C 0.13541 0.24144 0.1362 0.24445 0.1375 0.24676 C 0.1388 0.24884 0.14036 0.25046 0.14166 0.25255 C 0.14258 0.25394 0.14323 0.25579 0.14414 0.25718 C 0.1457 0.25926 0.14909 0.26296 0.14909 0.26296 C 0.15143 0.26921 0.15208 0.27199 0.15495 0.27639 C 0.15573 0.27755 0.15677 0.27801 0.15742 0.2794 C 0.1595 0.28264 0.16133 0.28611 0.16328 0.28958 C 0.16445 0.29167 0.16536 0.29398 0.16666 0.2956 C 0.16745 0.29653 0.16849 0.29722 0.16914 0.29861 C 0.17018 0.30023 0.1707 0.30255 0.17161 0.3044 C 0.17239 0.30602 0.17344 0.30741 0.17409 0.3088 C 0.175 0.31088 0.17565 0.3132 0.17669 0.31482 C 0.1776 0.31667 0.17903 0.31759 0.17995 0.31921 C 0.18073 0.3206 0.18099 0.32245 0.18164 0.32361 C 0.1901 0.34051 0.1845 0.32894 0.19075 0.33843 C 0.19166 0.33982 0.19232 0.3419 0.19336 0.34306 C 0.19544 0.34537 0.2 0.34884 0.2 0.34884 C 0.20169 0.35347 0.20169 0.35394 0.20416 0.35787 C 0.20521 0.35949 0.20651 0.36042 0.20742 0.36227 C 0.2082 0.36343 0.20859 0.36528 0.20911 0.36667 C 0.20989 0.36875 0.21094 0.3706 0.21159 0.37269 C 0.21224 0.37454 0.2125 0.37685 0.21328 0.37847 C 0.21497 0.38218 0.22031 0.39167 0.22331 0.39329 L 0.22578 0.39491 C 0.22669 0.3963 0.22721 0.39815 0.22825 0.39931 C 0.22982 0.4007 0.23333 0.40232 0.23333 0.40232 C 0.23854 0.41158 0.23515 0.40787 0.24831 0.40509 C 0.24922 0.40509 0.25 0.40417 0.25078 0.4037 C 0.25195 0.40324 0.25312 0.40324 0.25416 0.40232 C 0.25443 0.40208 0.25416 0.40116 0.25416 0.4007 L 0.25416 0.4007 " pathEditMode="relative" ptsTypes="AAAAAAAAAAAAAAAAAAAAAAAAAAAAAAAAAAAAAAAAAAAAAAAAAAAAAAAA">
+                                      <p:cBhvr>
+                                        <p:cTn id="58" dur="2000" fill="hold"/>
+                                        <p:tgtEl>
+                                          <p:spTgt spid="12"/>
+                                        </p:tgtEl>
+                                        <p:attrNameLst>
+                                          <p:attrName>ppt_x</p:attrName>
+                                          <p:attrName>ppt_y</p:attrName>
+                                        </p:attrNameLst>
+                                      </p:cBhvr>
+                                    </p:animMotion>
+                                  </p:childTnLst>
+                                </p:cTn>
+                              </p:par>
+                            </p:childTnLst>
+                          </p:cTn>
+                        </p:par>
+                      </p:childTnLst>
+                    </p:cTn>
+                  </p:par>
+                  <p:par>
+                    <p:cTn id="59" fill="hold">
+                      <p:stCondLst>
+                        <p:cond delay="indefinite"/>
+                      </p:stCondLst>
+                      <p:childTnLst>
+                        <p:par>
+                          <p:cTn id="60" fill="hold">
+                            <p:stCondLst>
+                              <p:cond delay="0"/>
+                            </p:stCondLst>
+                            <p:childTnLst>
+                              <p:par>
+                                <p:cTn id="61" presetID="1" presetClass="entr" presetSubtype="0" fill="hold" grpId="0" nodeType="clickEffect">
+                                  <p:stCondLst>
+                                    <p:cond delay="0"/>
+                                  </p:stCondLst>
+                                  <p:childTnLst>
+                                    <p:set>
+                                      <p:cBhvr>
+                                        <p:cTn id="62" dur="1" fill="hold">
+                                          <p:stCondLst>
+                                            <p:cond delay="0"/>
+                                          </p:stCondLst>
+                                        </p:cTn>
+                                        <p:tgtEl>
+                                          <p:spTgt spid="13"/>
+                                        </p:tgtEl>
+                                        <p:attrNameLst>
+                                          <p:attrName>style.visibility</p:attrName>
+                                        </p:attrNameLst>
+                                      </p:cBhvr>
+                                      <p:to>
+                                        <p:strVal val="visible"/>
+                                      </p:to>
+                                    </p:set>
+                                  </p:childTnLst>
+                                </p:cTn>
+                              </p:par>
+                            </p:childTnLst>
+                          </p:cTn>
+                        </p:par>
+                      </p:childTnLst>
+                    </p:cTn>
+                  </p:par>
+                </p:childTnLst>
+              </p:cTn>
+              <p:prevCondLst>
+                <p:cond evt="onPrev" delay="0">
+                  <p:tgtEl>
+                    <p:sldTgt/>
+                  </p:tgtEl>
+                </p:cond>
+              </p:prevCondLst>
+              <p:nextCondLst>
+                <p:cond evt="onNext" delay="0">
+                  <p:tgtEl>
+                    <p:sldTgt/>
+                  </p:tgtEl>
+                </p:cond>
+              </p:nextCondLst>
+            </p:seq>
+          </p:childTnLst>
+        </p:cTn>
+      </p:par>
+    </p:tnLst>
+    <p:bldLst>
+      <p:bldP spid="4" grpId="0" animBg="1"/>
+      <p:bldP spid="5" grpId="0" animBg="1"/>
+      <p:bldP spid="5" grpId="1" animBg="1"/>
+      <p:bldP spid="6" grpId="0" animBg="1"/>
+      <p:bldP spid="6" grpId="1" animBg="1"/>
+      <p:bldP spid="7" grpId="0" animBg="1"/>
+      <p:bldP spid="7" grpId="1" animBg="1"/>
+      <p:bldP spid="8" grpId="0"/>
+      <p:bldP spid="9" grpId="0" animBg="1"/>
+      <p:bldP spid="9" grpId="1" animBg="1"/>
+      <p:bldP spid="10" grpId="0" animBg="1"/>
+      <p:bldP spid="10" grpId="1" animBg="1"/>
+      <p:bldP spid="11" grpId="0" animBg="1"/>
+      <p:bldP spid="12" grpId="0" animBg="1"/>
+      <p:bldP spid="12" grpId="1" animBg="1"/>
+      <p:bldP spid="13" grpId="0"/>
     </p:bldLst>
   </p:timing>
 </p:sld>
